--- a/Resources/Slides/Homework Printouts.pptx
+++ b/Resources/Slides/Homework Printouts.pptx
@@ -3003,8 +3003,30 @@
           <a:lstStyle/>
           <a:p>
             <a:r>
+              <a:rPr lang="en-GB" dirty="0">
+                <a:solidFill>
+                  <a:schemeClr val="tx1">
+                    <a:lumMod val="50000"/>
+                    <a:lumOff val="50000"/>
+                  </a:schemeClr>
+                </a:solidFill>
+              </a:rPr>
+              <a:t>1. Number of </a:t>
+            </a:r>
+            <a:r>
               <a:rPr lang="en-GB" dirty="0"/>
-              <a:t>Number of Functional Methods encountered:</a:t>
+              <a:t>Functional Methods </a:t>
+            </a:r>
+            <a:r>
+              <a:rPr lang="en-GB" dirty="0">
+                <a:solidFill>
+                  <a:schemeClr val="tx1">
+                    <a:lumMod val="50000"/>
+                    <a:lumOff val="50000"/>
+                  </a:schemeClr>
+                </a:solidFill>
+              </a:rPr>
+              <a:t>encountered:</a:t>
             </a:r>
           </a:p>
         </p:txBody>
@@ -4915,6 +4937,17 @@
           </a:bodyPr>
           <a:lstStyle/>
           <a:p>
+            <a:r>
+              <a:rPr lang="en-GB" dirty="0">
+                <a:solidFill>
+                  <a:schemeClr val="tx1">
+                    <a:lumMod val="50000"/>
+                    <a:lumOff val="50000"/>
+                  </a:schemeClr>
+                </a:solidFill>
+              </a:rPr>
+              <a:t>4. </a:t>
+            </a:r>
             <a:r>
               <a:rPr lang="en-GB" dirty="0"/>
               <a:t>Insights:</a:t>
@@ -5543,8 +5576,34 @@
             <a:lstStyle/>
             <a:p>
               <a:r>
+                <a:rPr lang="en-GB" dirty="0">
+                  <a:solidFill>
+                    <a:schemeClr val="tx1">
+                      <a:lumMod val="50000"/>
+                      <a:lumOff val="50000"/>
+                    </a:schemeClr>
+                  </a:solidFill>
+                </a:rPr>
+                <a:t>3. Number of Methods </a:t>
+              </a:r>
+              <a:r>
                 <a:rPr lang="en-GB" dirty="0"/>
-                <a:t>Number of Method tested by Logging:</a:t>
+                <a:t>tested </a:t>
+              </a:r>
+              <a:r>
+                <a:rPr lang="en-GB" dirty="0">
+                  <a:solidFill>
+                    <a:schemeClr val="tx1">
+                      <a:lumMod val="50000"/>
+                      <a:lumOff val="50000"/>
+                    </a:schemeClr>
+                  </a:solidFill>
+                </a:rPr>
+                <a:t>by </a:t>
+              </a:r>
+              <a:r>
+                <a:rPr lang="en-GB" dirty="0"/>
+                <a:t>Logging:</a:t>
               </a:r>
             </a:p>
           </p:txBody>
@@ -7688,7 +7747,7 @@
         </p:nvSpPr>
         <p:spPr>
           <a:xfrm>
-            <a:off x="178787" y="2912022"/>
+            <a:off x="193669" y="3336800"/>
             <a:ext cx="6470662" cy="2785378"/>
           </a:xfrm>
           <a:custGeom>
@@ -9699,6 +9758,2176 @@
           </a:p>
         </p:txBody>
       </p:sp>
+      <p:sp>
+        <p:nvSpPr>
+          <p:cNvPr id="67" name="TextBox 66">
+            <a:extLst>
+              <a:ext uri="{FF2B5EF4-FFF2-40B4-BE49-F238E27FC236}">
+                <a16:creationId xmlns:a16="http://schemas.microsoft.com/office/drawing/2014/main" id="{F3D2971F-DF23-6112-DFA6-39C24CF65252}"/>
+              </a:ext>
+            </a:extLst>
+          </p:cNvPr>
+          <p:cNvSpPr txBox="1"/>
+          <p:nvPr/>
+        </p:nvSpPr>
+        <p:spPr>
+          <a:xfrm>
+            <a:off x="903342" y="2241427"/>
+            <a:ext cx="5128952" cy="369332"/>
+          </a:xfrm>
+          <a:prstGeom prst="rect">
+            <a:avLst/>
+          </a:prstGeom>
+          <a:noFill/>
+        </p:spPr>
+        <p:txBody>
+          <a:bodyPr wrap="square" rtlCol="0">
+            <a:spAutoFit/>
+          </a:bodyPr>
+          <a:lstStyle/>
+          <a:p>
+            <a:r>
+              <a:rPr lang="en-GB" dirty="0">
+                <a:solidFill>
+                  <a:schemeClr val="tx1">
+                    <a:lumMod val="50000"/>
+                    <a:lumOff val="50000"/>
+                  </a:schemeClr>
+                </a:solidFill>
+              </a:rPr>
+              <a:t>2. Number of Functional Methods </a:t>
+            </a:r>
+            <a:r>
+              <a:rPr lang="en-GB" dirty="0"/>
+              <a:t>tested:</a:t>
+            </a:r>
+          </a:p>
+        </p:txBody>
+      </p:sp>
+      <p:grpSp>
+        <p:nvGrpSpPr>
+          <p:cNvPr id="72" name="Group 71">
+            <a:extLst>
+              <a:ext uri="{FF2B5EF4-FFF2-40B4-BE49-F238E27FC236}">
+                <a16:creationId xmlns:a16="http://schemas.microsoft.com/office/drawing/2014/main" id="{87CE8F35-56EC-89A1-9C0F-13E68D094671}"/>
+              </a:ext>
+            </a:extLst>
+          </p:cNvPr>
+          <p:cNvGrpSpPr/>
+          <p:nvPr/>
+        </p:nvGrpSpPr>
+        <p:grpSpPr>
+          <a:xfrm>
+            <a:off x="3448447" y="2619073"/>
+            <a:ext cx="393444" cy="294517"/>
+            <a:chOff x="5329845" y="1105593"/>
+            <a:chExt cx="721820" cy="540327"/>
+          </a:xfrm>
+        </p:grpSpPr>
+        <p:cxnSp>
+          <p:nvCxnSpPr>
+            <p:cNvPr id="74" name="Straight Connector 73">
+              <a:extLst>
+                <a:ext uri="{FF2B5EF4-FFF2-40B4-BE49-F238E27FC236}">
+                  <a16:creationId xmlns:a16="http://schemas.microsoft.com/office/drawing/2014/main" id="{72E9F770-4240-624F-1CAC-D44A78F75587}"/>
+                </a:ext>
+              </a:extLst>
+            </p:cNvPr>
+            <p:cNvCxnSpPr>
+              <a:cxnSpLocks/>
+            </p:cNvCxnSpPr>
+            <p:nvPr/>
+          </p:nvCxnSpPr>
+          <p:spPr>
+            <a:xfrm>
+              <a:off x="5444836" y="1105593"/>
+              <a:ext cx="0" cy="540327"/>
+            </a:xfrm>
+            <a:prstGeom prst="line">
+              <a:avLst/>
+            </a:prstGeom>
+            <a:ln w="38100">
+              <a:solidFill>
+                <a:schemeClr val="bg1">
+                  <a:lumMod val="85000"/>
+                </a:schemeClr>
+              </a:solidFill>
+            </a:ln>
+          </p:spPr>
+          <p:style>
+            <a:lnRef idx="1">
+              <a:schemeClr val="accent1"/>
+            </a:lnRef>
+            <a:fillRef idx="0">
+              <a:schemeClr val="accent1"/>
+            </a:fillRef>
+            <a:effectRef idx="0">
+              <a:schemeClr val="accent1"/>
+            </a:effectRef>
+            <a:fontRef idx="minor">
+              <a:schemeClr val="tx1"/>
+            </a:fontRef>
+          </p:style>
+        </p:cxnSp>
+        <p:cxnSp>
+          <p:nvCxnSpPr>
+            <p:cNvPr id="75" name="Straight Connector 74">
+              <a:extLst>
+                <a:ext uri="{FF2B5EF4-FFF2-40B4-BE49-F238E27FC236}">
+                  <a16:creationId xmlns:a16="http://schemas.microsoft.com/office/drawing/2014/main" id="{8CEE07C5-7F51-65D7-0A37-651BC3B37088}"/>
+                </a:ext>
+              </a:extLst>
+            </p:cNvPr>
+            <p:cNvCxnSpPr>
+              <a:cxnSpLocks/>
+            </p:cNvCxnSpPr>
+            <p:nvPr/>
+          </p:nvCxnSpPr>
+          <p:spPr>
+            <a:xfrm>
+              <a:off x="5597236" y="1105593"/>
+              <a:ext cx="0" cy="540327"/>
+            </a:xfrm>
+            <a:prstGeom prst="line">
+              <a:avLst/>
+            </a:prstGeom>
+            <a:ln w="38100">
+              <a:solidFill>
+                <a:schemeClr val="bg1">
+                  <a:lumMod val="85000"/>
+                </a:schemeClr>
+              </a:solidFill>
+            </a:ln>
+          </p:spPr>
+          <p:style>
+            <a:lnRef idx="1">
+              <a:schemeClr val="accent1"/>
+            </a:lnRef>
+            <a:fillRef idx="0">
+              <a:schemeClr val="accent1"/>
+            </a:fillRef>
+            <a:effectRef idx="0">
+              <a:schemeClr val="accent1"/>
+            </a:effectRef>
+            <a:fontRef idx="minor">
+              <a:schemeClr val="tx1"/>
+            </a:fontRef>
+          </p:style>
+        </p:cxnSp>
+        <p:cxnSp>
+          <p:nvCxnSpPr>
+            <p:cNvPr id="76" name="Straight Connector 75">
+              <a:extLst>
+                <a:ext uri="{FF2B5EF4-FFF2-40B4-BE49-F238E27FC236}">
+                  <a16:creationId xmlns:a16="http://schemas.microsoft.com/office/drawing/2014/main" id="{EE0DD0B0-0725-1CA0-D5C1-3DC7DEAF7D18}"/>
+                </a:ext>
+              </a:extLst>
+            </p:cNvPr>
+            <p:cNvCxnSpPr>
+              <a:cxnSpLocks/>
+            </p:cNvCxnSpPr>
+            <p:nvPr/>
+          </p:nvCxnSpPr>
+          <p:spPr>
+            <a:xfrm>
+              <a:off x="5749636" y="1105593"/>
+              <a:ext cx="0" cy="540327"/>
+            </a:xfrm>
+            <a:prstGeom prst="line">
+              <a:avLst/>
+            </a:prstGeom>
+            <a:ln w="38100">
+              <a:solidFill>
+                <a:schemeClr val="bg1">
+                  <a:lumMod val="85000"/>
+                </a:schemeClr>
+              </a:solidFill>
+            </a:ln>
+          </p:spPr>
+          <p:style>
+            <a:lnRef idx="1">
+              <a:schemeClr val="accent1"/>
+            </a:lnRef>
+            <a:fillRef idx="0">
+              <a:schemeClr val="accent1"/>
+            </a:fillRef>
+            <a:effectRef idx="0">
+              <a:schemeClr val="accent1"/>
+            </a:effectRef>
+            <a:fontRef idx="minor">
+              <a:schemeClr val="tx1"/>
+            </a:fontRef>
+          </p:style>
+        </p:cxnSp>
+        <p:cxnSp>
+          <p:nvCxnSpPr>
+            <p:cNvPr id="77" name="Straight Connector 76">
+              <a:extLst>
+                <a:ext uri="{FF2B5EF4-FFF2-40B4-BE49-F238E27FC236}">
+                  <a16:creationId xmlns:a16="http://schemas.microsoft.com/office/drawing/2014/main" id="{3692CCC6-0574-1550-460E-791CE60B7FBD}"/>
+                </a:ext>
+              </a:extLst>
+            </p:cNvPr>
+            <p:cNvCxnSpPr>
+              <a:cxnSpLocks/>
+            </p:cNvCxnSpPr>
+            <p:nvPr/>
+          </p:nvCxnSpPr>
+          <p:spPr>
+            <a:xfrm>
+              <a:off x="5902036" y="1105593"/>
+              <a:ext cx="0" cy="540327"/>
+            </a:xfrm>
+            <a:prstGeom prst="line">
+              <a:avLst/>
+            </a:prstGeom>
+            <a:ln w="38100">
+              <a:solidFill>
+                <a:schemeClr val="bg1">
+                  <a:lumMod val="85000"/>
+                </a:schemeClr>
+              </a:solidFill>
+            </a:ln>
+          </p:spPr>
+          <p:style>
+            <a:lnRef idx="1">
+              <a:schemeClr val="accent1"/>
+            </a:lnRef>
+            <a:fillRef idx="0">
+              <a:schemeClr val="accent1"/>
+            </a:fillRef>
+            <a:effectRef idx="0">
+              <a:schemeClr val="accent1"/>
+            </a:effectRef>
+            <a:fontRef idx="minor">
+              <a:schemeClr val="tx1"/>
+            </a:fontRef>
+          </p:style>
+        </p:cxnSp>
+        <p:cxnSp>
+          <p:nvCxnSpPr>
+            <p:cNvPr id="82" name="Straight Connector 81">
+              <a:extLst>
+                <a:ext uri="{FF2B5EF4-FFF2-40B4-BE49-F238E27FC236}">
+                  <a16:creationId xmlns:a16="http://schemas.microsoft.com/office/drawing/2014/main" id="{CAB395EE-DB63-E104-B894-969954ABD4B7}"/>
+                </a:ext>
+              </a:extLst>
+            </p:cNvPr>
+            <p:cNvCxnSpPr>
+              <a:cxnSpLocks/>
+            </p:cNvCxnSpPr>
+            <p:nvPr/>
+          </p:nvCxnSpPr>
+          <p:spPr>
+            <a:xfrm flipH="1">
+              <a:off x="5329845" y="1215444"/>
+              <a:ext cx="721820" cy="430476"/>
+            </a:xfrm>
+            <a:prstGeom prst="line">
+              <a:avLst/>
+            </a:prstGeom>
+            <a:ln w="38100">
+              <a:solidFill>
+                <a:schemeClr val="bg1">
+                  <a:lumMod val="85000"/>
+                </a:schemeClr>
+              </a:solidFill>
+            </a:ln>
+          </p:spPr>
+          <p:style>
+            <a:lnRef idx="1">
+              <a:schemeClr val="accent1"/>
+            </a:lnRef>
+            <a:fillRef idx="0">
+              <a:schemeClr val="accent1"/>
+            </a:fillRef>
+            <a:effectRef idx="0">
+              <a:schemeClr val="accent1"/>
+            </a:effectRef>
+            <a:fontRef idx="minor">
+              <a:schemeClr val="tx1"/>
+            </a:fontRef>
+          </p:style>
+        </p:cxnSp>
+      </p:grpSp>
+      <p:grpSp>
+        <p:nvGrpSpPr>
+          <p:cNvPr id="83" name="Group 82">
+            <a:extLst>
+              <a:ext uri="{FF2B5EF4-FFF2-40B4-BE49-F238E27FC236}">
+                <a16:creationId xmlns:a16="http://schemas.microsoft.com/office/drawing/2014/main" id="{856FEDB6-06F4-82E3-699B-376CD8AFD799}"/>
+              </a:ext>
+            </a:extLst>
+          </p:cNvPr>
+          <p:cNvGrpSpPr/>
+          <p:nvPr/>
+        </p:nvGrpSpPr>
+        <p:grpSpPr>
+          <a:xfrm>
+            <a:off x="3938898" y="2619073"/>
+            <a:ext cx="393444" cy="294517"/>
+            <a:chOff x="5329845" y="1105593"/>
+            <a:chExt cx="721820" cy="540327"/>
+          </a:xfrm>
+        </p:grpSpPr>
+        <p:cxnSp>
+          <p:nvCxnSpPr>
+            <p:cNvPr id="84" name="Straight Connector 83">
+              <a:extLst>
+                <a:ext uri="{FF2B5EF4-FFF2-40B4-BE49-F238E27FC236}">
+                  <a16:creationId xmlns:a16="http://schemas.microsoft.com/office/drawing/2014/main" id="{3F7370AC-E05D-EDE1-45A2-C8109FA4EC51}"/>
+                </a:ext>
+              </a:extLst>
+            </p:cNvPr>
+            <p:cNvCxnSpPr>
+              <a:cxnSpLocks/>
+            </p:cNvCxnSpPr>
+            <p:nvPr/>
+          </p:nvCxnSpPr>
+          <p:spPr>
+            <a:xfrm>
+              <a:off x="5444836" y="1105593"/>
+              <a:ext cx="0" cy="540327"/>
+            </a:xfrm>
+            <a:prstGeom prst="line">
+              <a:avLst/>
+            </a:prstGeom>
+            <a:ln w="38100">
+              <a:solidFill>
+                <a:schemeClr val="bg1">
+                  <a:lumMod val="85000"/>
+                </a:schemeClr>
+              </a:solidFill>
+            </a:ln>
+          </p:spPr>
+          <p:style>
+            <a:lnRef idx="1">
+              <a:schemeClr val="accent1"/>
+            </a:lnRef>
+            <a:fillRef idx="0">
+              <a:schemeClr val="accent1"/>
+            </a:fillRef>
+            <a:effectRef idx="0">
+              <a:schemeClr val="accent1"/>
+            </a:effectRef>
+            <a:fontRef idx="minor">
+              <a:schemeClr val="tx1"/>
+            </a:fontRef>
+          </p:style>
+        </p:cxnSp>
+        <p:cxnSp>
+          <p:nvCxnSpPr>
+            <p:cNvPr id="85" name="Straight Connector 84">
+              <a:extLst>
+                <a:ext uri="{FF2B5EF4-FFF2-40B4-BE49-F238E27FC236}">
+                  <a16:creationId xmlns:a16="http://schemas.microsoft.com/office/drawing/2014/main" id="{DB750CAC-F7FC-C319-6C16-D40F4FBE6BE7}"/>
+                </a:ext>
+              </a:extLst>
+            </p:cNvPr>
+            <p:cNvCxnSpPr>
+              <a:cxnSpLocks/>
+            </p:cNvCxnSpPr>
+            <p:nvPr/>
+          </p:nvCxnSpPr>
+          <p:spPr>
+            <a:xfrm>
+              <a:off x="5597236" y="1105593"/>
+              <a:ext cx="0" cy="540327"/>
+            </a:xfrm>
+            <a:prstGeom prst="line">
+              <a:avLst/>
+            </a:prstGeom>
+            <a:ln w="38100">
+              <a:solidFill>
+                <a:schemeClr val="bg1">
+                  <a:lumMod val="85000"/>
+                </a:schemeClr>
+              </a:solidFill>
+            </a:ln>
+          </p:spPr>
+          <p:style>
+            <a:lnRef idx="1">
+              <a:schemeClr val="accent1"/>
+            </a:lnRef>
+            <a:fillRef idx="0">
+              <a:schemeClr val="accent1"/>
+            </a:fillRef>
+            <a:effectRef idx="0">
+              <a:schemeClr val="accent1"/>
+            </a:effectRef>
+            <a:fontRef idx="minor">
+              <a:schemeClr val="tx1"/>
+            </a:fontRef>
+          </p:style>
+        </p:cxnSp>
+        <p:cxnSp>
+          <p:nvCxnSpPr>
+            <p:cNvPr id="86" name="Straight Connector 85">
+              <a:extLst>
+                <a:ext uri="{FF2B5EF4-FFF2-40B4-BE49-F238E27FC236}">
+                  <a16:creationId xmlns:a16="http://schemas.microsoft.com/office/drawing/2014/main" id="{1DF98B72-368C-5F20-2537-02CDEEE44F25}"/>
+                </a:ext>
+              </a:extLst>
+            </p:cNvPr>
+            <p:cNvCxnSpPr>
+              <a:cxnSpLocks/>
+            </p:cNvCxnSpPr>
+            <p:nvPr/>
+          </p:nvCxnSpPr>
+          <p:spPr>
+            <a:xfrm>
+              <a:off x="5749636" y="1105593"/>
+              <a:ext cx="0" cy="540327"/>
+            </a:xfrm>
+            <a:prstGeom prst="line">
+              <a:avLst/>
+            </a:prstGeom>
+            <a:ln w="38100">
+              <a:solidFill>
+                <a:schemeClr val="bg1">
+                  <a:lumMod val="85000"/>
+                </a:schemeClr>
+              </a:solidFill>
+            </a:ln>
+          </p:spPr>
+          <p:style>
+            <a:lnRef idx="1">
+              <a:schemeClr val="accent1"/>
+            </a:lnRef>
+            <a:fillRef idx="0">
+              <a:schemeClr val="accent1"/>
+            </a:fillRef>
+            <a:effectRef idx="0">
+              <a:schemeClr val="accent1"/>
+            </a:effectRef>
+            <a:fontRef idx="minor">
+              <a:schemeClr val="tx1"/>
+            </a:fontRef>
+          </p:style>
+        </p:cxnSp>
+        <p:cxnSp>
+          <p:nvCxnSpPr>
+            <p:cNvPr id="87" name="Straight Connector 86">
+              <a:extLst>
+                <a:ext uri="{FF2B5EF4-FFF2-40B4-BE49-F238E27FC236}">
+                  <a16:creationId xmlns:a16="http://schemas.microsoft.com/office/drawing/2014/main" id="{5CE50878-3B2C-CCD2-D53B-C3D2AE679E30}"/>
+                </a:ext>
+              </a:extLst>
+            </p:cNvPr>
+            <p:cNvCxnSpPr>
+              <a:cxnSpLocks/>
+            </p:cNvCxnSpPr>
+            <p:nvPr/>
+          </p:nvCxnSpPr>
+          <p:spPr>
+            <a:xfrm>
+              <a:off x="5902036" y="1105593"/>
+              <a:ext cx="0" cy="540327"/>
+            </a:xfrm>
+            <a:prstGeom prst="line">
+              <a:avLst/>
+            </a:prstGeom>
+            <a:ln w="38100">
+              <a:solidFill>
+                <a:schemeClr val="bg1">
+                  <a:lumMod val="85000"/>
+                </a:schemeClr>
+              </a:solidFill>
+            </a:ln>
+          </p:spPr>
+          <p:style>
+            <a:lnRef idx="1">
+              <a:schemeClr val="accent1"/>
+            </a:lnRef>
+            <a:fillRef idx="0">
+              <a:schemeClr val="accent1"/>
+            </a:fillRef>
+            <a:effectRef idx="0">
+              <a:schemeClr val="accent1"/>
+            </a:effectRef>
+            <a:fontRef idx="minor">
+              <a:schemeClr val="tx1"/>
+            </a:fontRef>
+          </p:style>
+        </p:cxnSp>
+        <p:cxnSp>
+          <p:nvCxnSpPr>
+            <p:cNvPr id="88" name="Straight Connector 87">
+              <a:extLst>
+                <a:ext uri="{FF2B5EF4-FFF2-40B4-BE49-F238E27FC236}">
+                  <a16:creationId xmlns:a16="http://schemas.microsoft.com/office/drawing/2014/main" id="{FC85E8B4-31C2-601F-577F-5212430C8A20}"/>
+                </a:ext>
+              </a:extLst>
+            </p:cNvPr>
+            <p:cNvCxnSpPr>
+              <a:cxnSpLocks/>
+            </p:cNvCxnSpPr>
+            <p:nvPr/>
+          </p:nvCxnSpPr>
+          <p:spPr>
+            <a:xfrm flipH="1">
+              <a:off x="5329845" y="1215444"/>
+              <a:ext cx="721820" cy="430476"/>
+            </a:xfrm>
+            <a:prstGeom prst="line">
+              <a:avLst/>
+            </a:prstGeom>
+            <a:ln w="38100">
+              <a:solidFill>
+                <a:schemeClr val="bg1">
+                  <a:lumMod val="85000"/>
+                </a:schemeClr>
+              </a:solidFill>
+            </a:ln>
+          </p:spPr>
+          <p:style>
+            <a:lnRef idx="1">
+              <a:schemeClr val="accent1"/>
+            </a:lnRef>
+            <a:fillRef idx="0">
+              <a:schemeClr val="accent1"/>
+            </a:fillRef>
+            <a:effectRef idx="0">
+              <a:schemeClr val="accent1"/>
+            </a:effectRef>
+            <a:fontRef idx="minor">
+              <a:schemeClr val="tx1"/>
+            </a:fontRef>
+          </p:style>
+        </p:cxnSp>
+      </p:grpSp>
+      <p:grpSp>
+        <p:nvGrpSpPr>
+          <p:cNvPr id="89" name="Group 88">
+            <a:extLst>
+              <a:ext uri="{FF2B5EF4-FFF2-40B4-BE49-F238E27FC236}">
+                <a16:creationId xmlns:a16="http://schemas.microsoft.com/office/drawing/2014/main" id="{EDD17721-FC8B-8AAC-C83C-6C97DF2B74EF}"/>
+              </a:ext>
+            </a:extLst>
+          </p:cNvPr>
+          <p:cNvGrpSpPr/>
+          <p:nvPr/>
+        </p:nvGrpSpPr>
+        <p:grpSpPr>
+          <a:xfrm>
+            <a:off x="4429349" y="2619073"/>
+            <a:ext cx="393444" cy="294517"/>
+            <a:chOff x="5329845" y="1105593"/>
+            <a:chExt cx="721820" cy="540327"/>
+          </a:xfrm>
+        </p:grpSpPr>
+        <p:cxnSp>
+          <p:nvCxnSpPr>
+            <p:cNvPr id="91" name="Straight Connector 90">
+              <a:extLst>
+                <a:ext uri="{FF2B5EF4-FFF2-40B4-BE49-F238E27FC236}">
+                  <a16:creationId xmlns:a16="http://schemas.microsoft.com/office/drawing/2014/main" id="{6316D053-ADD3-7AB5-6CD4-13F6A485CEA4}"/>
+                </a:ext>
+              </a:extLst>
+            </p:cNvPr>
+            <p:cNvCxnSpPr>
+              <a:cxnSpLocks/>
+            </p:cNvCxnSpPr>
+            <p:nvPr/>
+          </p:nvCxnSpPr>
+          <p:spPr>
+            <a:xfrm>
+              <a:off x="5444836" y="1105593"/>
+              <a:ext cx="0" cy="540327"/>
+            </a:xfrm>
+            <a:prstGeom prst="line">
+              <a:avLst/>
+            </a:prstGeom>
+            <a:ln w="38100">
+              <a:solidFill>
+                <a:schemeClr val="bg1">
+                  <a:lumMod val="85000"/>
+                </a:schemeClr>
+              </a:solidFill>
+            </a:ln>
+          </p:spPr>
+          <p:style>
+            <a:lnRef idx="1">
+              <a:schemeClr val="accent1"/>
+            </a:lnRef>
+            <a:fillRef idx="0">
+              <a:schemeClr val="accent1"/>
+            </a:fillRef>
+            <a:effectRef idx="0">
+              <a:schemeClr val="accent1"/>
+            </a:effectRef>
+            <a:fontRef idx="minor">
+              <a:schemeClr val="tx1"/>
+            </a:fontRef>
+          </p:style>
+        </p:cxnSp>
+        <p:cxnSp>
+          <p:nvCxnSpPr>
+            <p:cNvPr id="105" name="Straight Connector 104">
+              <a:extLst>
+                <a:ext uri="{FF2B5EF4-FFF2-40B4-BE49-F238E27FC236}">
+                  <a16:creationId xmlns:a16="http://schemas.microsoft.com/office/drawing/2014/main" id="{A118CA1A-8DB6-B30F-D768-B0D0C48D30C2}"/>
+                </a:ext>
+              </a:extLst>
+            </p:cNvPr>
+            <p:cNvCxnSpPr>
+              <a:cxnSpLocks/>
+            </p:cNvCxnSpPr>
+            <p:nvPr/>
+          </p:nvCxnSpPr>
+          <p:spPr>
+            <a:xfrm>
+              <a:off x="5597236" y="1105593"/>
+              <a:ext cx="0" cy="540327"/>
+            </a:xfrm>
+            <a:prstGeom prst="line">
+              <a:avLst/>
+            </a:prstGeom>
+            <a:ln w="38100">
+              <a:solidFill>
+                <a:schemeClr val="bg1">
+                  <a:lumMod val="85000"/>
+                </a:schemeClr>
+              </a:solidFill>
+            </a:ln>
+          </p:spPr>
+          <p:style>
+            <a:lnRef idx="1">
+              <a:schemeClr val="accent1"/>
+            </a:lnRef>
+            <a:fillRef idx="0">
+              <a:schemeClr val="accent1"/>
+            </a:fillRef>
+            <a:effectRef idx="0">
+              <a:schemeClr val="accent1"/>
+            </a:effectRef>
+            <a:fontRef idx="minor">
+              <a:schemeClr val="tx1"/>
+            </a:fontRef>
+          </p:style>
+        </p:cxnSp>
+        <p:cxnSp>
+          <p:nvCxnSpPr>
+            <p:cNvPr id="108" name="Straight Connector 107">
+              <a:extLst>
+                <a:ext uri="{FF2B5EF4-FFF2-40B4-BE49-F238E27FC236}">
+                  <a16:creationId xmlns:a16="http://schemas.microsoft.com/office/drawing/2014/main" id="{683AE3C2-B4EA-CBE0-4F20-37D888C3487A}"/>
+                </a:ext>
+              </a:extLst>
+            </p:cNvPr>
+            <p:cNvCxnSpPr>
+              <a:cxnSpLocks/>
+            </p:cNvCxnSpPr>
+            <p:nvPr/>
+          </p:nvCxnSpPr>
+          <p:spPr>
+            <a:xfrm>
+              <a:off x="5749636" y="1105593"/>
+              <a:ext cx="0" cy="540327"/>
+            </a:xfrm>
+            <a:prstGeom prst="line">
+              <a:avLst/>
+            </a:prstGeom>
+            <a:ln w="38100">
+              <a:solidFill>
+                <a:schemeClr val="bg1">
+                  <a:lumMod val="85000"/>
+                </a:schemeClr>
+              </a:solidFill>
+            </a:ln>
+          </p:spPr>
+          <p:style>
+            <a:lnRef idx="1">
+              <a:schemeClr val="accent1"/>
+            </a:lnRef>
+            <a:fillRef idx="0">
+              <a:schemeClr val="accent1"/>
+            </a:fillRef>
+            <a:effectRef idx="0">
+              <a:schemeClr val="accent1"/>
+            </a:effectRef>
+            <a:fontRef idx="minor">
+              <a:schemeClr val="tx1"/>
+            </a:fontRef>
+          </p:style>
+        </p:cxnSp>
+        <p:cxnSp>
+          <p:nvCxnSpPr>
+            <p:cNvPr id="110" name="Straight Connector 109">
+              <a:extLst>
+                <a:ext uri="{FF2B5EF4-FFF2-40B4-BE49-F238E27FC236}">
+                  <a16:creationId xmlns:a16="http://schemas.microsoft.com/office/drawing/2014/main" id="{AC066529-70FF-8173-03E0-A485F1F6399E}"/>
+                </a:ext>
+              </a:extLst>
+            </p:cNvPr>
+            <p:cNvCxnSpPr>
+              <a:cxnSpLocks/>
+            </p:cNvCxnSpPr>
+            <p:nvPr/>
+          </p:nvCxnSpPr>
+          <p:spPr>
+            <a:xfrm>
+              <a:off x="5902036" y="1105593"/>
+              <a:ext cx="0" cy="540327"/>
+            </a:xfrm>
+            <a:prstGeom prst="line">
+              <a:avLst/>
+            </a:prstGeom>
+            <a:ln w="38100">
+              <a:solidFill>
+                <a:schemeClr val="bg1">
+                  <a:lumMod val="85000"/>
+                </a:schemeClr>
+              </a:solidFill>
+            </a:ln>
+          </p:spPr>
+          <p:style>
+            <a:lnRef idx="1">
+              <a:schemeClr val="accent1"/>
+            </a:lnRef>
+            <a:fillRef idx="0">
+              <a:schemeClr val="accent1"/>
+            </a:fillRef>
+            <a:effectRef idx="0">
+              <a:schemeClr val="accent1"/>
+            </a:effectRef>
+            <a:fontRef idx="minor">
+              <a:schemeClr val="tx1"/>
+            </a:fontRef>
+          </p:style>
+        </p:cxnSp>
+        <p:cxnSp>
+          <p:nvCxnSpPr>
+            <p:cNvPr id="138" name="Straight Connector 137">
+              <a:extLst>
+                <a:ext uri="{FF2B5EF4-FFF2-40B4-BE49-F238E27FC236}">
+                  <a16:creationId xmlns:a16="http://schemas.microsoft.com/office/drawing/2014/main" id="{C9DC562A-4BED-11C1-0D00-C020F46F4055}"/>
+                </a:ext>
+              </a:extLst>
+            </p:cNvPr>
+            <p:cNvCxnSpPr>
+              <a:cxnSpLocks/>
+            </p:cNvCxnSpPr>
+            <p:nvPr/>
+          </p:nvCxnSpPr>
+          <p:spPr>
+            <a:xfrm flipH="1">
+              <a:off x="5329845" y="1215444"/>
+              <a:ext cx="721820" cy="430476"/>
+            </a:xfrm>
+            <a:prstGeom prst="line">
+              <a:avLst/>
+            </a:prstGeom>
+            <a:ln w="38100">
+              <a:solidFill>
+                <a:schemeClr val="bg1">
+                  <a:lumMod val="85000"/>
+                </a:schemeClr>
+              </a:solidFill>
+            </a:ln>
+          </p:spPr>
+          <p:style>
+            <a:lnRef idx="1">
+              <a:schemeClr val="accent1"/>
+            </a:lnRef>
+            <a:fillRef idx="0">
+              <a:schemeClr val="accent1"/>
+            </a:fillRef>
+            <a:effectRef idx="0">
+              <a:schemeClr val="accent1"/>
+            </a:effectRef>
+            <a:fontRef idx="minor">
+              <a:schemeClr val="tx1"/>
+            </a:fontRef>
+          </p:style>
+        </p:cxnSp>
+      </p:grpSp>
+      <p:grpSp>
+        <p:nvGrpSpPr>
+          <p:cNvPr id="139" name="Group 138">
+            <a:extLst>
+              <a:ext uri="{FF2B5EF4-FFF2-40B4-BE49-F238E27FC236}">
+                <a16:creationId xmlns:a16="http://schemas.microsoft.com/office/drawing/2014/main" id="{995C8088-356E-DE5C-102A-DC96939BC4B0}"/>
+              </a:ext>
+            </a:extLst>
+          </p:cNvPr>
+          <p:cNvGrpSpPr/>
+          <p:nvPr/>
+        </p:nvGrpSpPr>
+        <p:grpSpPr>
+          <a:xfrm>
+            <a:off x="2467545" y="2619073"/>
+            <a:ext cx="393444" cy="294517"/>
+            <a:chOff x="5329845" y="1105593"/>
+            <a:chExt cx="721820" cy="540327"/>
+          </a:xfrm>
+        </p:grpSpPr>
+        <p:cxnSp>
+          <p:nvCxnSpPr>
+            <p:cNvPr id="140" name="Straight Connector 139">
+              <a:extLst>
+                <a:ext uri="{FF2B5EF4-FFF2-40B4-BE49-F238E27FC236}">
+                  <a16:creationId xmlns:a16="http://schemas.microsoft.com/office/drawing/2014/main" id="{FB834F0E-61AF-C933-46FA-8DB4A20BBC00}"/>
+                </a:ext>
+              </a:extLst>
+            </p:cNvPr>
+            <p:cNvCxnSpPr>
+              <a:cxnSpLocks/>
+            </p:cNvCxnSpPr>
+            <p:nvPr/>
+          </p:nvCxnSpPr>
+          <p:spPr>
+            <a:xfrm>
+              <a:off x="5444836" y="1105593"/>
+              <a:ext cx="0" cy="540327"/>
+            </a:xfrm>
+            <a:prstGeom prst="line">
+              <a:avLst/>
+            </a:prstGeom>
+            <a:ln w="38100">
+              <a:solidFill>
+                <a:schemeClr val="bg1">
+                  <a:lumMod val="85000"/>
+                </a:schemeClr>
+              </a:solidFill>
+            </a:ln>
+          </p:spPr>
+          <p:style>
+            <a:lnRef idx="1">
+              <a:schemeClr val="accent1"/>
+            </a:lnRef>
+            <a:fillRef idx="0">
+              <a:schemeClr val="accent1"/>
+            </a:fillRef>
+            <a:effectRef idx="0">
+              <a:schemeClr val="accent1"/>
+            </a:effectRef>
+            <a:fontRef idx="minor">
+              <a:schemeClr val="tx1"/>
+            </a:fontRef>
+          </p:style>
+        </p:cxnSp>
+        <p:cxnSp>
+          <p:nvCxnSpPr>
+            <p:cNvPr id="141" name="Straight Connector 140">
+              <a:extLst>
+                <a:ext uri="{FF2B5EF4-FFF2-40B4-BE49-F238E27FC236}">
+                  <a16:creationId xmlns:a16="http://schemas.microsoft.com/office/drawing/2014/main" id="{36104D28-54B5-22D4-1304-DA73805471F6}"/>
+                </a:ext>
+              </a:extLst>
+            </p:cNvPr>
+            <p:cNvCxnSpPr>
+              <a:cxnSpLocks/>
+            </p:cNvCxnSpPr>
+            <p:nvPr/>
+          </p:nvCxnSpPr>
+          <p:spPr>
+            <a:xfrm>
+              <a:off x="5597236" y="1105593"/>
+              <a:ext cx="0" cy="540327"/>
+            </a:xfrm>
+            <a:prstGeom prst="line">
+              <a:avLst/>
+            </a:prstGeom>
+            <a:ln w="38100">
+              <a:solidFill>
+                <a:schemeClr val="bg1">
+                  <a:lumMod val="85000"/>
+                </a:schemeClr>
+              </a:solidFill>
+            </a:ln>
+          </p:spPr>
+          <p:style>
+            <a:lnRef idx="1">
+              <a:schemeClr val="accent1"/>
+            </a:lnRef>
+            <a:fillRef idx="0">
+              <a:schemeClr val="accent1"/>
+            </a:fillRef>
+            <a:effectRef idx="0">
+              <a:schemeClr val="accent1"/>
+            </a:effectRef>
+            <a:fontRef idx="minor">
+              <a:schemeClr val="tx1"/>
+            </a:fontRef>
+          </p:style>
+        </p:cxnSp>
+        <p:cxnSp>
+          <p:nvCxnSpPr>
+            <p:cNvPr id="142" name="Straight Connector 141">
+              <a:extLst>
+                <a:ext uri="{FF2B5EF4-FFF2-40B4-BE49-F238E27FC236}">
+                  <a16:creationId xmlns:a16="http://schemas.microsoft.com/office/drawing/2014/main" id="{E0150C9B-C264-06E5-9640-EDEA979CAA1D}"/>
+                </a:ext>
+              </a:extLst>
+            </p:cNvPr>
+            <p:cNvCxnSpPr>
+              <a:cxnSpLocks/>
+            </p:cNvCxnSpPr>
+            <p:nvPr/>
+          </p:nvCxnSpPr>
+          <p:spPr>
+            <a:xfrm>
+              <a:off x="5749636" y="1105593"/>
+              <a:ext cx="0" cy="540327"/>
+            </a:xfrm>
+            <a:prstGeom prst="line">
+              <a:avLst/>
+            </a:prstGeom>
+            <a:ln w="38100">
+              <a:solidFill>
+                <a:schemeClr val="bg1">
+                  <a:lumMod val="85000"/>
+                </a:schemeClr>
+              </a:solidFill>
+            </a:ln>
+          </p:spPr>
+          <p:style>
+            <a:lnRef idx="1">
+              <a:schemeClr val="accent1"/>
+            </a:lnRef>
+            <a:fillRef idx="0">
+              <a:schemeClr val="accent1"/>
+            </a:fillRef>
+            <a:effectRef idx="0">
+              <a:schemeClr val="accent1"/>
+            </a:effectRef>
+            <a:fontRef idx="minor">
+              <a:schemeClr val="tx1"/>
+            </a:fontRef>
+          </p:style>
+        </p:cxnSp>
+        <p:cxnSp>
+          <p:nvCxnSpPr>
+            <p:cNvPr id="143" name="Straight Connector 142">
+              <a:extLst>
+                <a:ext uri="{FF2B5EF4-FFF2-40B4-BE49-F238E27FC236}">
+                  <a16:creationId xmlns:a16="http://schemas.microsoft.com/office/drawing/2014/main" id="{28E32E11-1850-D584-B6E3-788752143396}"/>
+                </a:ext>
+              </a:extLst>
+            </p:cNvPr>
+            <p:cNvCxnSpPr>
+              <a:cxnSpLocks/>
+            </p:cNvCxnSpPr>
+            <p:nvPr/>
+          </p:nvCxnSpPr>
+          <p:spPr>
+            <a:xfrm>
+              <a:off x="5902036" y="1105593"/>
+              <a:ext cx="0" cy="540327"/>
+            </a:xfrm>
+            <a:prstGeom prst="line">
+              <a:avLst/>
+            </a:prstGeom>
+            <a:ln w="38100">
+              <a:solidFill>
+                <a:schemeClr val="bg1">
+                  <a:lumMod val="85000"/>
+                </a:schemeClr>
+              </a:solidFill>
+            </a:ln>
+          </p:spPr>
+          <p:style>
+            <a:lnRef idx="1">
+              <a:schemeClr val="accent1"/>
+            </a:lnRef>
+            <a:fillRef idx="0">
+              <a:schemeClr val="accent1"/>
+            </a:fillRef>
+            <a:effectRef idx="0">
+              <a:schemeClr val="accent1"/>
+            </a:effectRef>
+            <a:fontRef idx="minor">
+              <a:schemeClr val="tx1"/>
+            </a:fontRef>
+          </p:style>
+        </p:cxnSp>
+        <p:cxnSp>
+          <p:nvCxnSpPr>
+            <p:cNvPr id="144" name="Straight Connector 143">
+              <a:extLst>
+                <a:ext uri="{FF2B5EF4-FFF2-40B4-BE49-F238E27FC236}">
+                  <a16:creationId xmlns:a16="http://schemas.microsoft.com/office/drawing/2014/main" id="{668E7ECB-84A2-998A-0DD0-8DC575343679}"/>
+                </a:ext>
+              </a:extLst>
+            </p:cNvPr>
+            <p:cNvCxnSpPr>
+              <a:cxnSpLocks/>
+            </p:cNvCxnSpPr>
+            <p:nvPr/>
+          </p:nvCxnSpPr>
+          <p:spPr>
+            <a:xfrm flipH="1">
+              <a:off x="5329845" y="1215444"/>
+              <a:ext cx="721820" cy="430476"/>
+            </a:xfrm>
+            <a:prstGeom prst="line">
+              <a:avLst/>
+            </a:prstGeom>
+            <a:ln w="38100">
+              <a:solidFill>
+                <a:schemeClr val="bg1">
+                  <a:lumMod val="85000"/>
+                </a:schemeClr>
+              </a:solidFill>
+            </a:ln>
+          </p:spPr>
+          <p:style>
+            <a:lnRef idx="1">
+              <a:schemeClr val="accent1"/>
+            </a:lnRef>
+            <a:fillRef idx="0">
+              <a:schemeClr val="accent1"/>
+            </a:fillRef>
+            <a:effectRef idx="0">
+              <a:schemeClr val="accent1"/>
+            </a:effectRef>
+            <a:fontRef idx="minor">
+              <a:schemeClr val="tx1"/>
+            </a:fontRef>
+          </p:style>
+        </p:cxnSp>
+      </p:grpSp>
+      <p:grpSp>
+        <p:nvGrpSpPr>
+          <p:cNvPr id="145" name="Group 144">
+            <a:extLst>
+              <a:ext uri="{FF2B5EF4-FFF2-40B4-BE49-F238E27FC236}">
+                <a16:creationId xmlns:a16="http://schemas.microsoft.com/office/drawing/2014/main" id="{1E516C36-C46D-B8F7-0697-DA6BA611BA7A}"/>
+              </a:ext>
+            </a:extLst>
+          </p:cNvPr>
+          <p:cNvGrpSpPr/>
+          <p:nvPr/>
+        </p:nvGrpSpPr>
+        <p:grpSpPr>
+          <a:xfrm>
+            <a:off x="1977094" y="2619073"/>
+            <a:ext cx="393444" cy="294517"/>
+            <a:chOff x="5329845" y="1105593"/>
+            <a:chExt cx="721820" cy="540327"/>
+          </a:xfrm>
+        </p:grpSpPr>
+        <p:cxnSp>
+          <p:nvCxnSpPr>
+            <p:cNvPr id="146" name="Straight Connector 145">
+              <a:extLst>
+                <a:ext uri="{FF2B5EF4-FFF2-40B4-BE49-F238E27FC236}">
+                  <a16:creationId xmlns:a16="http://schemas.microsoft.com/office/drawing/2014/main" id="{ED6D0DBF-3AA0-DB9E-743C-70CA05B0A5BE}"/>
+                </a:ext>
+              </a:extLst>
+            </p:cNvPr>
+            <p:cNvCxnSpPr>
+              <a:cxnSpLocks/>
+            </p:cNvCxnSpPr>
+            <p:nvPr/>
+          </p:nvCxnSpPr>
+          <p:spPr>
+            <a:xfrm>
+              <a:off x="5444836" y="1105593"/>
+              <a:ext cx="0" cy="540327"/>
+            </a:xfrm>
+            <a:prstGeom prst="line">
+              <a:avLst/>
+            </a:prstGeom>
+            <a:ln w="38100">
+              <a:solidFill>
+                <a:schemeClr val="bg1">
+                  <a:lumMod val="85000"/>
+                </a:schemeClr>
+              </a:solidFill>
+            </a:ln>
+          </p:spPr>
+          <p:style>
+            <a:lnRef idx="1">
+              <a:schemeClr val="accent1"/>
+            </a:lnRef>
+            <a:fillRef idx="0">
+              <a:schemeClr val="accent1"/>
+            </a:fillRef>
+            <a:effectRef idx="0">
+              <a:schemeClr val="accent1"/>
+            </a:effectRef>
+            <a:fontRef idx="minor">
+              <a:schemeClr val="tx1"/>
+            </a:fontRef>
+          </p:style>
+        </p:cxnSp>
+        <p:cxnSp>
+          <p:nvCxnSpPr>
+            <p:cNvPr id="147" name="Straight Connector 146">
+              <a:extLst>
+                <a:ext uri="{FF2B5EF4-FFF2-40B4-BE49-F238E27FC236}">
+                  <a16:creationId xmlns:a16="http://schemas.microsoft.com/office/drawing/2014/main" id="{C34D6008-086B-CFF4-E5DF-19AD316E9A1F}"/>
+                </a:ext>
+              </a:extLst>
+            </p:cNvPr>
+            <p:cNvCxnSpPr>
+              <a:cxnSpLocks/>
+            </p:cNvCxnSpPr>
+            <p:nvPr/>
+          </p:nvCxnSpPr>
+          <p:spPr>
+            <a:xfrm>
+              <a:off x="5597236" y="1105593"/>
+              <a:ext cx="0" cy="540327"/>
+            </a:xfrm>
+            <a:prstGeom prst="line">
+              <a:avLst/>
+            </a:prstGeom>
+            <a:ln w="38100">
+              <a:solidFill>
+                <a:schemeClr val="bg1">
+                  <a:lumMod val="85000"/>
+                </a:schemeClr>
+              </a:solidFill>
+            </a:ln>
+          </p:spPr>
+          <p:style>
+            <a:lnRef idx="1">
+              <a:schemeClr val="accent1"/>
+            </a:lnRef>
+            <a:fillRef idx="0">
+              <a:schemeClr val="accent1"/>
+            </a:fillRef>
+            <a:effectRef idx="0">
+              <a:schemeClr val="accent1"/>
+            </a:effectRef>
+            <a:fontRef idx="minor">
+              <a:schemeClr val="tx1"/>
+            </a:fontRef>
+          </p:style>
+        </p:cxnSp>
+        <p:cxnSp>
+          <p:nvCxnSpPr>
+            <p:cNvPr id="148" name="Straight Connector 147">
+              <a:extLst>
+                <a:ext uri="{FF2B5EF4-FFF2-40B4-BE49-F238E27FC236}">
+                  <a16:creationId xmlns:a16="http://schemas.microsoft.com/office/drawing/2014/main" id="{F1EBE3C0-B23E-1EA4-9354-D450D6FB61FC}"/>
+                </a:ext>
+              </a:extLst>
+            </p:cNvPr>
+            <p:cNvCxnSpPr>
+              <a:cxnSpLocks/>
+            </p:cNvCxnSpPr>
+            <p:nvPr/>
+          </p:nvCxnSpPr>
+          <p:spPr>
+            <a:xfrm>
+              <a:off x="5749636" y="1105593"/>
+              <a:ext cx="0" cy="540327"/>
+            </a:xfrm>
+            <a:prstGeom prst="line">
+              <a:avLst/>
+            </a:prstGeom>
+            <a:ln w="38100">
+              <a:solidFill>
+                <a:schemeClr val="bg1">
+                  <a:lumMod val="85000"/>
+                </a:schemeClr>
+              </a:solidFill>
+            </a:ln>
+          </p:spPr>
+          <p:style>
+            <a:lnRef idx="1">
+              <a:schemeClr val="accent1"/>
+            </a:lnRef>
+            <a:fillRef idx="0">
+              <a:schemeClr val="accent1"/>
+            </a:fillRef>
+            <a:effectRef idx="0">
+              <a:schemeClr val="accent1"/>
+            </a:effectRef>
+            <a:fontRef idx="minor">
+              <a:schemeClr val="tx1"/>
+            </a:fontRef>
+          </p:style>
+        </p:cxnSp>
+        <p:cxnSp>
+          <p:nvCxnSpPr>
+            <p:cNvPr id="149" name="Straight Connector 148">
+              <a:extLst>
+                <a:ext uri="{FF2B5EF4-FFF2-40B4-BE49-F238E27FC236}">
+                  <a16:creationId xmlns:a16="http://schemas.microsoft.com/office/drawing/2014/main" id="{BBF91824-B896-D469-4CEB-EABC58177364}"/>
+                </a:ext>
+              </a:extLst>
+            </p:cNvPr>
+            <p:cNvCxnSpPr>
+              <a:cxnSpLocks/>
+            </p:cNvCxnSpPr>
+            <p:nvPr/>
+          </p:nvCxnSpPr>
+          <p:spPr>
+            <a:xfrm>
+              <a:off x="5902036" y="1105593"/>
+              <a:ext cx="0" cy="540327"/>
+            </a:xfrm>
+            <a:prstGeom prst="line">
+              <a:avLst/>
+            </a:prstGeom>
+            <a:ln w="38100">
+              <a:solidFill>
+                <a:schemeClr val="bg1">
+                  <a:lumMod val="85000"/>
+                </a:schemeClr>
+              </a:solidFill>
+            </a:ln>
+          </p:spPr>
+          <p:style>
+            <a:lnRef idx="1">
+              <a:schemeClr val="accent1"/>
+            </a:lnRef>
+            <a:fillRef idx="0">
+              <a:schemeClr val="accent1"/>
+            </a:fillRef>
+            <a:effectRef idx="0">
+              <a:schemeClr val="accent1"/>
+            </a:effectRef>
+            <a:fontRef idx="minor">
+              <a:schemeClr val="tx1"/>
+            </a:fontRef>
+          </p:style>
+        </p:cxnSp>
+        <p:cxnSp>
+          <p:nvCxnSpPr>
+            <p:cNvPr id="150" name="Straight Connector 149">
+              <a:extLst>
+                <a:ext uri="{FF2B5EF4-FFF2-40B4-BE49-F238E27FC236}">
+                  <a16:creationId xmlns:a16="http://schemas.microsoft.com/office/drawing/2014/main" id="{10FE67C6-318A-AEE5-8F3F-73383396EB2E}"/>
+                </a:ext>
+              </a:extLst>
+            </p:cNvPr>
+            <p:cNvCxnSpPr>
+              <a:cxnSpLocks/>
+            </p:cNvCxnSpPr>
+            <p:nvPr/>
+          </p:nvCxnSpPr>
+          <p:spPr>
+            <a:xfrm flipH="1">
+              <a:off x="5329845" y="1215444"/>
+              <a:ext cx="721820" cy="430476"/>
+            </a:xfrm>
+            <a:prstGeom prst="line">
+              <a:avLst/>
+            </a:prstGeom>
+            <a:ln w="38100">
+              <a:solidFill>
+                <a:schemeClr val="bg1">
+                  <a:lumMod val="85000"/>
+                </a:schemeClr>
+              </a:solidFill>
+            </a:ln>
+          </p:spPr>
+          <p:style>
+            <a:lnRef idx="1">
+              <a:schemeClr val="accent1"/>
+            </a:lnRef>
+            <a:fillRef idx="0">
+              <a:schemeClr val="accent1"/>
+            </a:fillRef>
+            <a:effectRef idx="0">
+              <a:schemeClr val="accent1"/>
+            </a:effectRef>
+            <a:fontRef idx="minor">
+              <a:schemeClr val="tx1"/>
+            </a:fontRef>
+          </p:style>
+        </p:cxnSp>
+      </p:grpSp>
+      <p:grpSp>
+        <p:nvGrpSpPr>
+          <p:cNvPr id="151" name="Group 150">
+            <a:extLst>
+              <a:ext uri="{FF2B5EF4-FFF2-40B4-BE49-F238E27FC236}">
+                <a16:creationId xmlns:a16="http://schemas.microsoft.com/office/drawing/2014/main" id="{B78E4048-F790-E479-C984-4BEE744FB6E1}"/>
+              </a:ext>
+            </a:extLst>
+          </p:cNvPr>
+          <p:cNvGrpSpPr/>
+          <p:nvPr/>
+        </p:nvGrpSpPr>
+        <p:grpSpPr>
+          <a:xfrm>
+            <a:off x="1486643" y="2619073"/>
+            <a:ext cx="393444" cy="294517"/>
+            <a:chOff x="5329845" y="1105593"/>
+            <a:chExt cx="721820" cy="540327"/>
+          </a:xfrm>
+        </p:grpSpPr>
+        <p:cxnSp>
+          <p:nvCxnSpPr>
+            <p:cNvPr id="152" name="Straight Connector 151">
+              <a:extLst>
+                <a:ext uri="{FF2B5EF4-FFF2-40B4-BE49-F238E27FC236}">
+                  <a16:creationId xmlns:a16="http://schemas.microsoft.com/office/drawing/2014/main" id="{08036F6D-66F8-DE49-625D-A43685F59D72}"/>
+                </a:ext>
+              </a:extLst>
+            </p:cNvPr>
+            <p:cNvCxnSpPr>
+              <a:cxnSpLocks/>
+            </p:cNvCxnSpPr>
+            <p:nvPr/>
+          </p:nvCxnSpPr>
+          <p:spPr>
+            <a:xfrm>
+              <a:off x="5444836" y="1105593"/>
+              <a:ext cx="0" cy="540327"/>
+            </a:xfrm>
+            <a:prstGeom prst="line">
+              <a:avLst/>
+            </a:prstGeom>
+            <a:ln w="38100">
+              <a:solidFill>
+                <a:schemeClr val="bg1">
+                  <a:lumMod val="85000"/>
+                </a:schemeClr>
+              </a:solidFill>
+            </a:ln>
+          </p:spPr>
+          <p:style>
+            <a:lnRef idx="1">
+              <a:schemeClr val="accent1"/>
+            </a:lnRef>
+            <a:fillRef idx="0">
+              <a:schemeClr val="accent1"/>
+            </a:fillRef>
+            <a:effectRef idx="0">
+              <a:schemeClr val="accent1"/>
+            </a:effectRef>
+            <a:fontRef idx="minor">
+              <a:schemeClr val="tx1"/>
+            </a:fontRef>
+          </p:style>
+        </p:cxnSp>
+        <p:cxnSp>
+          <p:nvCxnSpPr>
+            <p:cNvPr id="153" name="Straight Connector 152">
+              <a:extLst>
+                <a:ext uri="{FF2B5EF4-FFF2-40B4-BE49-F238E27FC236}">
+                  <a16:creationId xmlns:a16="http://schemas.microsoft.com/office/drawing/2014/main" id="{57A8A19D-1842-A9B0-847D-AAD6EFD7FE50}"/>
+                </a:ext>
+              </a:extLst>
+            </p:cNvPr>
+            <p:cNvCxnSpPr>
+              <a:cxnSpLocks/>
+            </p:cNvCxnSpPr>
+            <p:nvPr/>
+          </p:nvCxnSpPr>
+          <p:spPr>
+            <a:xfrm>
+              <a:off x="5597236" y="1105593"/>
+              <a:ext cx="0" cy="540327"/>
+            </a:xfrm>
+            <a:prstGeom prst="line">
+              <a:avLst/>
+            </a:prstGeom>
+            <a:ln w="38100">
+              <a:solidFill>
+                <a:schemeClr val="bg1">
+                  <a:lumMod val="85000"/>
+                </a:schemeClr>
+              </a:solidFill>
+            </a:ln>
+          </p:spPr>
+          <p:style>
+            <a:lnRef idx="1">
+              <a:schemeClr val="accent1"/>
+            </a:lnRef>
+            <a:fillRef idx="0">
+              <a:schemeClr val="accent1"/>
+            </a:fillRef>
+            <a:effectRef idx="0">
+              <a:schemeClr val="accent1"/>
+            </a:effectRef>
+            <a:fontRef idx="minor">
+              <a:schemeClr val="tx1"/>
+            </a:fontRef>
+          </p:style>
+        </p:cxnSp>
+        <p:cxnSp>
+          <p:nvCxnSpPr>
+            <p:cNvPr id="154" name="Straight Connector 153">
+              <a:extLst>
+                <a:ext uri="{FF2B5EF4-FFF2-40B4-BE49-F238E27FC236}">
+                  <a16:creationId xmlns:a16="http://schemas.microsoft.com/office/drawing/2014/main" id="{5CD99FF7-154D-DFE0-A8D3-EE59202A29AA}"/>
+                </a:ext>
+              </a:extLst>
+            </p:cNvPr>
+            <p:cNvCxnSpPr>
+              <a:cxnSpLocks/>
+            </p:cNvCxnSpPr>
+            <p:nvPr/>
+          </p:nvCxnSpPr>
+          <p:spPr>
+            <a:xfrm>
+              <a:off x="5749636" y="1105593"/>
+              <a:ext cx="0" cy="540327"/>
+            </a:xfrm>
+            <a:prstGeom prst="line">
+              <a:avLst/>
+            </a:prstGeom>
+            <a:ln w="38100">
+              <a:solidFill>
+                <a:schemeClr val="bg1">
+                  <a:lumMod val="85000"/>
+                </a:schemeClr>
+              </a:solidFill>
+            </a:ln>
+          </p:spPr>
+          <p:style>
+            <a:lnRef idx="1">
+              <a:schemeClr val="accent1"/>
+            </a:lnRef>
+            <a:fillRef idx="0">
+              <a:schemeClr val="accent1"/>
+            </a:fillRef>
+            <a:effectRef idx="0">
+              <a:schemeClr val="accent1"/>
+            </a:effectRef>
+            <a:fontRef idx="minor">
+              <a:schemeClr val="tx1"/>
+            </a:fontRef>
+          </p:style>
+        </p:cxnSp>
+        <p:cxnSp>
+          <p:nvCxnSpPr>
+            <p:cNvPr id="155" name="Straight Connector 154">
+              <a:extLst>
+                <a:ext uri="{FF2B5EF4-FFF2-40B4-BE49-F238E27FC236}">
+                  <a16:creationId xmlns:a16="http://schemas.microsoft.com/office/drawing/2014/main" id="{EE7CE306-498F-E730-4F54-611092F0F612}"/>
+                </a:ext>
+              </a:extLst>
+            </p:cNvPr>
+            <p:cNvCxnSpPr>
+              <a:cxnSpLocks/>
+            </p:cNvCxnSpPr>
+            <p:nvPr/>
+          </p:nvCxnSpPr>
+          <p:spPr>
+            <a:xfrm>
+              <a:off x="5902036" y="1105593"/>
+              <a:ext cx="0" cy="540327"/>
+            </a:xfrm>
+            <a:prstGeom prst="line">
+              <a:avLst/>
+            </a:prstGeom>
+            <a:ln w="38100">
+              <a:solidFill>
+                <a:schemeClr val="bg1">
+                  <a:lumMod val="85000"/>
+                </a:schemeClr>
+              </a:solidFill>
+            </a:ln>
+          </p:spPr>
+          <p:style>
+            <a:lnRef idx="1">
+              <a:schemeClr val="accent1"/>
+            </a:lnRef>
+            <a:fillRef idx="0">
+              <a:schemeClr val="accent1"/>
+            </a:fillRef>
+            <a:effectRef idx="0">
+              <a:schemeClr val="accent1"/>
+            </a:effectRef>
+            <a:fontRef idx="minor">
+              <a:schemeClr val="tx1"/>
+            </a:fontRef>
+          </p:style>
+        </p:cxnSp>
+        <p:cxnSp>
+          <p:nvCxnSpPr>
+            <p:cNvPr id="156" name="Straight Connector 155">
+              <a:extLst>
+                <a:ext uri="{FF2B5EF4-FFF2-40B4-BE49-F238E27FC236}">
+                  <a16:creationId xmlns:a16="http://schemas.microsoft.com/office/drawing/2014/main" id="{4B77C5BA-326A-0F77-724D-93E7859C28F5}"/>
+                </a:ext>
+              </a:extLst>
+            </p:cNvPr>
+            <p:cNvCxnSpPr>
+              <a:cxnSpLocks/>
+            </p:cNvCxnSpPr>
+            <p:nvPr/>
+          </p:nvCxnSpPr>
+          <p:spPr>
+            <a:xfrm flipH="1">
+              <a:off x="5329845" y="1215444"/>
+              <a:ext cx="721820" cy="430476"/>
+            </a:xfrm>
+            <a:prstGeom prst="line">
+              <a:avLst/>
+            </a:prstGeom>
+            <a:ln w="38100">
+              <a:solidFill>
+                <a:schemeClr val="bg1">
+                  <a:lumMod val="85000"/>
+                </a:schemeClr>
+              </a:solidFill>
+            </a:ln>
+          </p:spPr>
+          <p:style>
+            <a:lnRef idx="1">
+              <a:schemeClr val="accent1"/>
+            </a:lnRef>
+            <a:fillRef idx="0">
+              <a:schemeClr val="accent1"/>
+            </a:fillRef>
+            <a:effectRef idx="0">
+              <a:schemeClr val="accent1"/>
+            </a:effectRef>
+            <a:fontRef idx="minor">
+              <a:schemeClr val="tx1"/>
+            </a:fontRef>
+          </p:style>
+        </p:cxnSp>
+      </p:grpSp>
+      <p:grpSp>
+        <p:nvGrpSpPr>
+          <p:cNvPr id="157" name="Group 156">
+            <a:extLst>
+              <a:ext uri="{FF2B5EF4-FFF2-40B4-BE49-F238E27FC236}">
+                <a16:creationId xmlns:a16="http://schemas.microsoft.com/office/drawing/2014/main" id="{EAE0ADE7-7599-DFA6-15D5-2DDEBB691757}"/>
+              </a:ext>
+            </a:extLst>
+          </p:cNvPr>
+          <p:cNvGrpSpPr/>
+          <p:nvPr/>
+        </p:nvGrpSpPr>
+        <p:grpSpPr>
+          <a:xfrm>
+            <a:off x="4919800" y="2619073"/>
+            <a:ext cx="393444" cy="294517"/>
+            <a:chOff x="5329845" y="1105593"/>
+            <a:chExt cx="721820" cy="540327"/>
+          </a:xfrm>
+        </p:grpSpPr>
+        <p:cxnSp>
+          <p:nvCxnSpPr>
+            <p:cNvPr id="158" name="Straight Connector 157">
+              <a:extLst>
+                <a:ext uri="{FF2B5EF4-FFF2-40B4-BE49-F238E27FC236}">
+                  <a16:creationId xmlns:a16="http://schemas.microsoft.com/office/drawing/2014/main" id="{6085733E-82D0-BF51-8F27-9F1555828779}"/>
+                </a:ext>
+              </a:extLst>
+            </p:cNvPr>
+            <p:cNvCxnSpPr>
+              <a:cxnSpLocks/>
+            </p:cNvCxnSpPr>
+            <p:nvPr/>
+          </p:nvCxnSpPr>
+          <p:spPr>
+            <a:xfrm>
+              <a:off x="5444836" y="1105593"/>
+              <a:ext cx="0" cy="540327"/>
+            </a:xfrm>
+            <a:prstGeom prst="line">
+              <a:avLst/>
+            </a:prstGeom>
+            <a:ln w="38100">
+              <a:solidFill>
+                <a:schemeClr val="bg1">
+                  <a:lumMod val="85000"/>
+                </a:schemeClr>
+              </a:solidFill>
+            </a:ln>
+          </p:spPr>
+          <p:style>
+            <a:lnRef idx="1">
+              <a:schemeClr val="accent1"/>
+            </a:lnRef>
+            <a:fillRef idx="0">
+              <a:schemeClr val="accent1"/>
+            </a:fillRef>
+            <a:effectRef idx="0">
+              <a:schemeClr val="accent1"/>
+            </a:effectRef>
+            <a:fontRef idx="minor">
+              <a:schemeClr val="tx1"/>
+            </a:fontRef>
+          </p:style>
+        </p:cxnSp>
+        <p:cxnSp>
+          <p:nvCxnSpPr>
+            <p:cNvPr id="159" name="Straight Connector 158">
+              <a:extLst>
+                <a:ext uri="{FF2B5EF4-FFF2-40B4-BE49-F238E27FC236}">
+                  <a16:creationId xmlns:a16="http://schemas.microsoft.com/office/drawing/2014/main" id="{B96C0958-5F67-F383-8D2C-58ECE1D6C051}"/>
+                </a:ext>
+              </a:extLst>
+            </p:cNvPr>
+            <p:cNvCxnSpPr>
+              <a:cxnSpLocks/>
+            </p:cNvCxnSpPr>
+            <p:nvPr/>
+          </p:nvCxnSpPr>
+          <p:spPr>
+            <a:xfrm>
+              <a:off x="5597236" y="1105593"/>
+              <a:ext cx="0" cy="540327"/>
+            </a:xfrm>
+            <a:prstGeom prst="line">
+              <a:avLst/>
+            </a:prstGeom>
+            <a:ln w="38100">
+              <a:solidFill>
+                <a:schemeClr val="bg1">
+                  <a:lumMod val="85000"/>
+                </a:schemeClr>
+              </a:solidFill>
+            </a:ln>
+          </p:spPr>
+          <p:style>
+            <a:lnRef idx="1">
+              <a:schemeClr val="accent1"/>
+            </a:lnRef>
+            <a:fillRef idx="0">
+              <a:schemeClr val="accent1"/>
+            </a:fillRef>
+            <a:effectRef idx="0">
+              <a:schemeClr val="accent1"/>
+            </a:effectRef>
+            <a:fontRef idx="minor">
+              <a:schemeClr val="tx1"/>
+            </a:fontRef>
+          </p:style>
+        </p:cxnSp>
+        <p:cxnSp>
+          <p:nvCxnSpPr>
+            <p:cNvPr id="160" name="Straight Connector 159">
+              <a:extLst>
+                <a:ext uri="{FF2B5EF4-FFF2-40B4-BE49-F238E27FC236}">
+                  <a16:creationId xmlns:a16="http://schemas.microsoft.com/office/drawing/2014/main" id="{59DD738F-DD3D-47EB-364F-2D1198639678}"/>
+                </a:ext>
+              </a:extLst>
+            </p:cNvPr>
+            <p:cNvCxnSpPr>
+              <a:cxnSpLocks/>
+            </p:cNvCxnSpPr>
+            <p:nvPr/>
+          </p:nvCxnSpPr>
+          <p:spPr>
+            <a:xfrm>
+              <a:off x="5749636" y="1105593"/>
+              <a:ext cx="0" cy="540327"/>
+            </a:xfrm>
+            <a:prstGeom prst="line">
+              <a:avLst/>
+            </a:prstGeom>
+            <a:ln w="38100">
+              <a:solidFill>
+                <a:schemeClr val="bg1">
+                  <a:lumMod val="85000"/>
+                </a:schemeClr>
+              </a:solidFill>
+            </a:ln>
+          </p:spPr>
+          <p:style>
+            <a:lnRef idx="1">
+              <a:schemeClr val="accent1"/>
+            </a:lnRef>
+            <a:fillRef idx="0">
+              <a:schemeClr val="accent1"/>
+            </a:fillRef>
+            <a:effectRef idx="0">
+              <a:schemeClr val="accent1"/>
+            </a:effectRef>
+            <a:fontRef idx="minor">
+              <a:schemeClr val="tx1"/>
+            </a:fontRef>
+          </p:style>
+        </p:cxnSp>
+        <p:cxnSp>
+          <p:nvCxnSpPr>
+            <p:cNvPr id="161" name="Straight Connector 160">
+              <a:extLst>
+                <a:ext uri="{FF2B5EF4-FFF2-40B4-BE49-F238E27FC236}">
+                  <a16:creationId xmlns:a16="http://schemas.microsoft.com/office/drawing/2014/main" id="{A8D4024D-0C0A-8EDA-F898-BB3987BC8F6C}"/>
+                </a:ext>
+              </a:extLst>
+            </p:cNvPr>
+            <p:cNvCxnSpPr>
+              <a:cxnSpLocks/>
+            </p:cNvCxnSpPr>
+            <p:nvPr/>
+          </p:nvCxnSpPr>
+          <p:spPr>
+            <a:xfrm>
+              <a:off x="5902036" y="1105593"/>
+              <a:ext cx="0" cy="540327"/>
+            </a:xfrm>
+            <a:prstGeom prst="line">
+              <a:avLst/>
+            </a:prstGeom>
+            <a:ln w="38100">
+              <a:solidFill>
+                <a:schemeClr val="bg1">
+                  <a:lumMod val="85000"/>
+                </a:schemeClr>
+              </a:solidFill>
+            </a:ln>
+          </p:spPr>
+          <p:style>
+            <a:lnRef idx="1">
+              <a:schemeClr val="accent1"/>
+            </a:lnRef>
+            <a:fillRef idx="0">
+              <a:schemeClr val="accent1"/>
+            </a:fillRef>
+            <a:effectRef idx="0">
+              <a:schemeClr val="accent1"/>
+            </a:effectRef>
+            <a:fontRef idx="minor">
+              <a:schemeClr val="tx1"/>
+            </a:fontRef>
+          </p:style>
+        </p:cxnSp>
+        <p:cxnSp>
+          <p:nvCxnSpPr>
+            <p:cNvPr id="162" name="Straight Connector 161">
+              <a:extLst>
+                <a:ext uri="{FF2B5EF4-FFF2-40B4-BE49-F238E27FC236}">
+                  <a16:creationId xmlns:a16="http://schemas.microsoft.com/office/drawing/2014/main" id="{CD634257-680C-E5E5-24D3-E3EC9E38558D}"/>
+                </a:ext>
+              </a:extLst>
+            </p:cNvPr>
+            <p:cNvCxnSpPr>
+              <a:cxnSpLocks/>
+            </p:cNvCxnSpPr>
+            <p:nvPr/>
+          </p:nvCxnSpPr>
+          <p:spPr>
+            <a:xfrm flipH="1">
+              <a:off x="5329845" y="1215444"/>
+              <a:ext cx="721820" cy="430476"/>
+            </a:xfrm>
+            <a:prstGeom prst="line">
+              <a:avLst/>
+            </a:prstGeom>
+            <a:ln w="38100">
+              <a:solidFill>
+                <a:schemeClr val="bg1">
+                  <a:lumMod val="85000"/>
+                </a:schemeClr>
+              </a:solidFill>
+            </a:ln>
+          </p:spPr>
+          <p:style>
+            <a:lnRef idx="1">
+              <a:schemeClr val="accent1"/>
+            </a:lnRef>
+            <a:fillRef idx="0">
+              <a:schemeClr val="accent1"/>
+            </a:fillRef>
+            <a:effectRef idx="0">
+              <a:schemeClr val="accent1"/>
+            </a:effectRef>
+            <a:fontRef idx="minor">
+              <a:schemeClr val="tx1"/>
+            </a:fontRef>
+          </p:style>
+        </p:cxnSp>
+      </p:grpSp>
+      <p:grpSp>
+        <p:nvGrpSpPr>
+          <p:cNvPr id="163" name="Group 162">
+            <a:extLst>
+              <a:ext uri="{FF2B5EF4-FFF2-40B4-BE49-F238E27FC236}">
+                <a16:creationId xmlns:a16="http://schemas.microsoft.com/office/drawing/2014/main" id="{0C271A51-99BF-CB7C-CBC5-208CA25CB96E}"/>
+              </a:ext>
+            </a:extLst>
+          </p:cNvPr>
+          <p:cNvGrpSpPr/>
+          <p:nvPr/>
+        </p:nvGrpSpPr>
+        <p:grpSpPr>
+          <a:xfrm>
+            <a:off x="5472929" y="2619073"/>
+            <a:ext cx="166138" cy="294517"/>
+            <a:chOff x="5492300" y="1391798"/>
+            <a:chExt cx="166138" cy="294517"/>
+          </a:xfrm>
+        </p:grpSpPr>
+        <p:cxnSp>
+          <p:nvCxnSpPr>
+            <p:cNvPr id="164" name="Straight Connector 163">
+              <a:extLst>
+                <a:ext uri="{FF2B5EF4-FFF2-40B4-BE49-F238E27FC236}">
+                  <a16:creationId xmlns:a16="http://schemas.microsoft.com/office/drawing/2014/main" id="{73F2D6E0-3766-53CF-475D-B4A0E46EDC72}"/>
+                </a:ext>
+              </a:extLst>
+            </p:cNvPr>
+            <p:cNvCxnSpPr>
+              <a:cxnSpLocks/>
+            </p:cNvCxnSpPr>
+            <p:nvPr/>
+          </p:nvCxnSpPr>
+          <p:spPr>
+            <a:xfrm>
+              <a:off x="5492300" y="1391798"/>
+              <a:ext cx="0" cy="294517"/>
+            </a:xfrm>
+            <a:prstGeom prst="line">
+              <a:avLst/>
+            </a:prstGeom>
+            <a:ln w="38100">
+              <a:solidFill>
+                <a:schemeClr val="bg1">
+                  <a:lumMod val="85000"/>
+                </a:schemeClr>
+              </a:solidFill>
+            </a:ln>
+          </p:spPr>
+          <p:style>
+            <a:lnRef idx="1">
+              <a:schemeClr val="accent1"/>
+            </a:lnRef>
+            <a:fillRef idx="0">
+              <a:schemeClr val="accent1"/>
+            </a:fillRef>
+            <a:effectRef idx="0">
+              <a:schemeClr val="accent1"/>
+            </a:effectRef>
+            <a:fontRef idx="minor">
+              <a:schemeClr val="tx1"/>
+            </a:fontRef>
+          </p:style>
+        </p:cxnSp>
+        <p:cxnSp>
+          <p:nvCxnSpPr>
+            <p:cNvPr id="165" name="Straight Connector 164">
+              <a:extLst>
+                <a:ext uri="{FF2B5EF4-FFF2-40B4-BE49-F238E27FC236}">
+                  <a16:creationId xmlns:a16="http://schemas.microsoft.com/office/drawing/2014/main" id="{A05A94AE-AC00-FBD3-5B85-970F4DA559A4}"/>
+                </a:ext>
+              </a:extLst>
+            </p:cNvPr>
+            <p:cNvCxnSpPr>
+              <a:cxnSpLocks/>
+            </p:cNvCxnSpPr>
+            <p:nvPr/>
+          </p:nvCxnSpPr>
+          <p:spPr>
+            <a:xfrm>
+              <a:off x="5575369" y="1391798"/>
+              <a:ext cx="0" cy="294517"/>
+            </a:xfrm>
+            <a:prstGeom prst="line">
+              <a:avLst/>
+            </a:prstGeom>
+            <a:ln w="38100">
+              <a:solidFill>
+                <a:schemeClr val="bg1">
+                  <a:lumMod val="85000"/>
+                </a:schemeClr>
+              </a:solidFill>
+            </a:ln>
+          </p:spPr>
+          <p:style>
+            <a:lnRef idx="1">
+              <a:schemeClr val="accent1"/>
+            </a:lnRef>
+            <a:fillRef idx="0">
+              <a:schemeClr val="accent1"/>
+            </a:fillRef>
+            <a:effectRef idx="0">
+              <a:schemeClr val="accent1"/>
+            </a:effectRef>
+            <a:fontRef idx="minor">
+              <a:schemeClr val="tx1"/>
+            </a:fontRef>
+          </p:style>
+        </p:cxnSp>
+        <p:cxnSp>
+          <p:nvCxnSpPr>
+            <p:cNvPr id="166" name="Straight Connector 165">
+              <a:extLst>
+                <a:ext uri="{FF2B5EF4-FFF2-40B4-BE49-F238E27FC236}">
+                  <a16:creationId xmlns:a16="http://schemas.microsoft.com/office/drawing/2014/main" id="{6E3D29D9-149B-1EA4-57EA-E573FF90079D}"/>
+                </a:ext>
+              </a:extLst>
+            </p:cNvPr>
+            <p:cNvCxnSpPr>
+              <a:cxnSpLocks/>
+            </p:cNvCxnSpPr>
+            <p:nvPr/>
+          </p:nvCxnSpPr>
+          <p:spPr>
+            <a:xfrm>
+              <a:off x="5658438" y="1391798"/>
+              <a:ext cx="0" cy="294517"/>
+            </a:xfrm>
+            <a:prstGeom prst="line">
+              <a:avLst/>
+            </a:prstGeom>
+            <a:ln w="38100">
+              <a:solidFill>
+                <a:schemeClr val="bg1">
+                  <a:lumMod val="85000"/>
+                </a:schemeClr>
+              </a:solidFill>
+            </a:ln>
+          </p:spPr>
+          <p:style>
+            <a:lnRef idx="1">
+              <a:schemeClr val="accent1"/>
+            </a:lnRef>
+            <a:fillRef idx="0">
+              <a:schemeClr val="accent1"/>
+            </a:fillRef>
+            <a:effectRef idx="0">
+              <a:schemeClr val="accent1"/>
+            </a:effectRef>
+            <a:fontRef idx="minor">
+              <a:schemeClr val="tx1"/>
+            </a:fontRef>
+          </p:style>
+        </p:cxnSp>
+      </p:grpSp>
+      <p:grpSp>
+        <p:nvGrpSpPr>
+          <p:cNvPr id="167" name="Group 166">
+            <a:extLst>
+              <a:ext uri="{FF2B5EF4-FFF2-40B4-BE49-F238E27FC236}">
+                <a16:creationId xmlns:a16="http://schemas.microsoft.com/office/drawing/2014/main" id="{0D5499D7-6408-F7D6-BD95-F64C841A0585}"/>
+              </a:ext>
+            </a:extLst>
+          </p:cNvPr>
+          <p:cNvGrpSpPr/>
+          <p:nvPr/>
+        </p:nvGrpSpPr>
+        <p:grpSpPr>
+          <a:xfrm>
+            <a:off x="2957996" y="2619073"/>
+            <a:ext cx="393444" cy="294517"/>
+            <a:chOff x="5329845" y="1105593"/>
+            <a:chExt cx="721820" cy="540327"/>
+          </a:xfrm>
+        </p:grpSpPr>
+        <p:cxnSp>
+          <p:nvCxnSpPr>
+            <p:cNvPr id="168" name="Straight Connector 167">
+              <a:extLst>
+                <a:ext uri="{FF2B5EF4-FFF2-40B4-BE49-F238E27FC236}">
+                  <a16:creationId xmlns:a16="http://schemas.microsoft.com/office/drawing/2014/main" id="{9D1BA42C-394C-5D80-513A-91B36BAC8BEE}"/>
+                </a:ext>
+              </a:extLst>
+            </p:cNvPr>
+            <p:cNvCxnSpPr>
+              <a:cxnSpLocks/>
+            </p:cNvCxnSpPr>
+            <p:nvPr/>
+          </p:nvCxnSpPr>
+          <p:spPr>
+            <a:xfrm>
+              <a:off x="5444836" y="1105593"/>
+              <a:ext cx="0" cy="540327"/>
+            </a:xfrm>
+            <a:prstGeom prst="line">
+              <a:avLst/>
+            </a:prstGeom>
+            <a:ln w="38100">
+              <a:solidFill>
+                <a:schemeClr val="bg1">
+                  <a:lumMod val="85000"/>
+                </a:schemeClr>
+              </a:solidFill>
+            </a:ln>
+          </p:spPr>
+          <p:style>
+            <a:lnRef idx="1">
+              <a:schemeClr val="accent1"/>
+            </a:lnRef>
+            <a:fillRef idx="0">
+              <a:schemeClr val="accent1"/>
+            </a:fillRef>
+            <a:effectRef idx="0">
+              <a:schemeClr val="accent1"/>
+            </a:effectRef>
+            <a:fontRef idx="minor">
+              <a:schemeClr val="tx1"/>
+            </a:fontRef>
+          </p:style>
+        </p:cxnSp>
+        <p:cxnSp>
+          <p:nvCxnSpPr>
+            <p:cNvPr id="169" name="Straight Connector 168">
+              <a:extLst>
+                <a:ext uri="{FF2B5EF4-FFF2-40B4-BE49-F238E27FC236}">
+                  <a16:creationId xmlns:a16="http://schemas.microsoft.com/office/drawing/2014/main" id="{6E9BDCDB-67B2-4F52-8BCE-1A63525F1D59}"/>
+                </a:ext>
+              </a:extLst>
+            </p:cNvPr>
+            <p:cNvCxnSpPr>
+              <a:cxnSpLocks/>
+            </p:cNvCxnSpPr>
+            <p:nvPr/>
+          </p:nvCxnSpPr>
+          <p:spPr>
+            <a:xfrm>
+              <a:off x="5597236" y="1105593"/>
+              <a:ext cx="0" cy="540327"/>
+            </a:xfrm>
+            <a:prstGeom prst="line">
+              <a:avLst/>
+            </a:prstGeom>
+            <a:ln w="38100">
+              <a:solidFill>
+                <a:schemeClr val="bg1">
+                  <a:lumMod val="85000"/>
+                </a:schemeClr>
+              </a:solidFill>
+            </a:ln>
+          </p:spPr>
+          <p:style>
+            <a:lnRef idx="1">
+              <a:schemeClr val="accent1"/>
+            </a:lnRef>
+            <a:fillRef idx="0">
+              <a:schemeClr val="accent1"/>
+            </a:fillRef>
+            <a:effectRef idx="0">
+              <a:schemeClr val="accent1"/>
+            </a:effectRef>
+            <a:fontRef idx="minor">
+              <a:schemeClr val="tx1"/>
+            </a:fontRef>
+          </p:style>
+        </p:cxnSp>
+        <p:cxnSp>
+          <p:nvCxnSpPr>
+            <p:cNvPr id="170" name="Straight Connector 169">
+              <a:extLst>
+                <a:ext uri="{FF2B5EF4-FFF2-40B4-BE49-F238E27FC236}">
+                  <a16:creationId xmlns:a16="http://schemas.microsoft.com/office/drawing/2014/main" id="{90EDB585-6426-252B-4240-374E7C495A8A}"/>
+                </a:ext>
+              </a:extLst>
+            </p:cNvPr>
+            <p:cNvCxnSpPr>
+              <a:cxnSpLocks/>
+            </p:cNvCxnSpPr>
+            <p:nvPr/>
+          </p:nvCxnSpPr>
+          <p:spPr>
+            <a:xfrm>
+              <a:off x="5749636" y="1105593"/>
+              <a:ext cx="0" cy="540327"/>
+            </a:xfrm>
+            <a:prstGeom prst="line">
+              <a:avLst/>
+            </a:prstGeom>
+            <a:ln w="38100">
+              <a:solidFill>
+                <a:schemeClr val="bg1">
+                  <a:lumMod val="85000"/>
+                </a:schemeClr>
+              </a:solidFill>
+            </a:ln>
+          </p:spPr>
+          <p:style>
+            <a:lnRef idx="1">
+              <a:schemeClr val="accent1"/>
+            </a:lnRef>
+            <a:fillRef idx="0">
+              <a:schemeClr val="accent1"/>
+            </a:fillRef>
+            <a:effectRef idx="0">
+              <a:schemeClr val="accent1"/>
+            </a:effectRef>
+            <a:fontRef idx="minor">
+              <a:schemeClr val="tx1"/>
+            </a:fontRef>
+          </p:style>
+        </p:cxnSp>
+        <p:cxnSp>
+          <p:nvCxnSpPr>
+            <p:cNvPr id="171" name="Straight Connector 170">
+              <a:extLst>
+                <a:ext uri="{FF2B5EF4-FFF2-40B4-BE49-F238E27FC236}">
+                  <a16:creationId xmlns:a16="http://schemas.microsoft.com/office/drawing/2014/main" id="{5493E57B-C97E-6103-E7EF-6A33DBF7DE61}"/>
+                </a:ext>
+              </a:extLst>
+            </p:cNvPr>
+            <p:cNvCxnSpPr>
+              <a:cxnSpLocks/>
+            </p:cNvCxnSpPr>
+            <p:nvPr/>
+          </p:nvCxnSpPr>
+          <p:spPr>
+            <a:xfrm>
+              <a:off x="5902036" y="1105593"/>
+              <a:ext cx="0" cy="540327"/>
+            </a:xfrm>
+            <a:prstGeom prst="line">
+              <a:avLst/>
+            </a:prstGeom>
+            <a:ln w="38100">
+              <a:solidFill>
+                <a:schemeClr val="bg1">
+                  <a:lumMod val="85000"/>
+                </a:schemeClr>
+              </a:solidFill>
+            </a:ln>
+          </p:spPr>
+          <p:style>
+            <a:lnRef idx="1">
+              <a:schemeClr val="accent1"/>
+            </a:lnRef>
+            <a:fillRef idx="0">
+              <a:schemeClr val="accent1"/>
+            </a:fillRef>
+            <a:effectRef idx="0">
+              <a:schemeClr val="accent1"/>
+            </a:effectRef>
+            <a:fontRef idx="minor">
+              <a:schemeClr val="tx1"/>
+            </a:fontRef>
+          </p:style>
+        </p:cxnSp>
+        <p:cxnSp>
+          <p:nvCxnSpPr>
+            <p:cNvPr id="172" name="Straight Connector 171">
+              <a:extLst>
+                <a:ext uri="{FF2B5EF4-FFF2-40B4-BE49-F238E27FC236}">
+                  <a16:creationId xmlns:a16="http://schemas.microsoft.com/office/drawing/2014/main" id="{09DC5EFF-59EC-2FA0-8AE0-15A205515DD3}"/>
+                </a:ext>
+              </a:extLst>
+            </p:cNvPr>
+            <p:cNvCxnSpPr>
+              <a:cxnSpLocks/>
+            </p:cNvCxnSpPr>
+            <p:nvPr/>
+          </p:nvCxnSpPr>
+          <p:spPr>
+            <a:xfrm flipH="1">
+              <a:off x="5329845" y="1215444"/>
+              <a:ext cx="721820" cy="430476"/>
+            </a:xfrm>
+            <a:prstGeom prst="line">
+              <a:avLst/>
+            </a:prstGeom>
+            <a:ln w="38100">
+              <a:solidFill>
+                <a:schemeClr val="bg1">
+                  <a:lumMod val="85000"/>
+                </a:schemeClr>
+              </a:solidFill>
+            </a:ln>
+          </p:spPr>
+          <p:style>
+            <a:lnRef idx="1">
+              <a:schemeClr val="accent1"/>
+            </a:lnRef>
+            <a:fillRef idx="0">
+              <a:schemeClr val="accent1"/>
+            </a:fillRef>
+            <a:effectRef idx="0">
+              <a:schemeClr val="accent1"/>
+            </a:effectRef>
+            <a:fontRef idx="minor">
+              <a:schemeClr val="tx1"/>
+            </a:fontRef>
+          </p:style>
+        </p:cxnSp>
+      </p:grpSp>
     </p:spTree>
     <p:extLst>
       <p:ext uri="{BB962C8B-B14F-4D97-AF65-F5344CB8AC3E}">
